--- a/docs/abbildungen/20160322_aussenklima.pptx
+++ b/docs/abbildungen/20160322_aussenklima.pptx
@@ -3206,6 +3206,30 @@
           <a:xfrm>
             <a:off x="2741093" y="57151"/>
             <a:ext cx="5855192" cy="6349997"/>
+          </a:xfrm>
+          <a:prstGeom prst="rect">
+            <a:avLst/>
+          </a:prstGeom>
+        </p:spPr>
+      </p:pic>
+      <p:pic>
+        <p:nvPicPr>
+          <p:cNvPr id="3" name="Bild 2"/>
+          <p:cNvPicPr>
+            <a:picLocks noChangeAspect="1"/>
+          </p:cNvPicPr>
+          <p:nvPr/>
+        </p:nvPicPr>
+        <p:blipFill>
+          <a:blip r:embed="rId3"/>
+          <a:stretch>
+            <a:fillRect/>
+          </a:stretch>
+        </p:blipFill>
+        <p:spPr>
+          <a:xfrm>
+            <a:off x="1587500" y="177800"/>
+            <a:ext cx="9017000" cy="6502400"/>
           </a:xfrm>
           <a:prstGeom prst="rect">
             <a:avLst/>
